--- a/ppt 16-9/1122.来吧！我们要.pptx
+++ b/ppt 16-9/1122.来吧！我们要.pptx
@@ -5,7 +5,7 @@
     <p:sldMasterId id="2147483648" r:id="rId1"/>
   </p:sldMasterIdLst>
   <p:sldIdLst>
-    <p:sldId id="600" r:id="rId2"/>
+    <p:sldId id="603" r:id="rId2"/>
   </p:sldIdLst>
   <p:sldSz cx="12192000" cy="6858000"/>
   <p:notesSz cx="6858000" cy="9144000"/>
@@ -129,7 +129,7 @@
           <p:cNvPr id="2" name="标题 1">
             <a:extLst>
               <a:ext uri="{FF2B5EF4-FFF2-40B4-BE49-F238E27FC236}">
-                <a16:creationId xmlns:a16="http://schemas.microsoft.com/office/drawing/2014/main" id="{1FDF88ED-DAA9-F3E7-57F5-18ACEB91B148}"/>
+                <a16:creationId xmlns:a16="http://schemas.microsoft.com/office/drawing/2014/main" id="{A133A108-07A1-1CFB-0223-AEA7C2FEF950}"/>
               </a:ext>
             </a:extLst>
           </p:cNvPr>
@@ -166,7 +166,7 @@
           <p:cNvPr id="3" name="副标题 2">
             <a:extLst>
               <a:ext uri="{FF2B5EF4-FFF2-40B4-BE49-F238E27FC236}">
-                <a16:creationId xmlns:a16="http://schemas.microsoft.com/office/drawing/2014/main" id="{6F5F3F65-8600-FDD3-8445-8F0FF56FC117}"/>
+                <a16:creationId xmlns:a16="http://schemas.microsoft.com/office/drawing/2014/main" id="{A1F02059-84CE-1ED4-4056-00BB6F2D913F}"/>
               </a:ext>
             </a:extLst>
           </p:cNvPr>
@@ -236,7 +236,7 @@
           <p:cNvPr id="4" name="日期占位符 3">
             <a:extLst>
               <a:ext uri="{FF2B5EF4-FFF2-40B4-BE49-F238E27FC236}">
-                <a16:creationId xmlns:a16="http://schemas.microsoft.com/office/drawing/2014/main" id="{7103A15A-9F23-5D86-9134-A8037E465C2A}"/>
+                <a16:creationId xmlns:a16="http://schemas.microsoft.com/office/drawing/2014/main" id="{6B5A25BD-80E2-6CBC-7CD2-7B7444141914}"/>
               </a:ext>
             </a:extLst>
           </p:cNvPr>
@@ -252,7 +252,7 @@
           <a:bodyPr/>
           <a:lstStyle/>
           <a:p>
-            <a:fld id="{DD236920-AFD0-4E06-A98B-F83C59434D47}" type="datetimeFigureOut">
+            <a:fld id="{408F27E9-4831-4A61-B71A-47FCC8352EC5}" type="datetimeFigureOut">
               <a:rPr lang="zh-CN" altLang="en-US" smtClean="0"/>
               <a:t>2024/3/10</a:t>
             </a:fld>
@@ -265,7 +265,7 @@
           <p:cNvPr id="5" name="页脚占位符 4">
             <a:extLst>
               <a:ext uri="{FF2B5EF4-FFF2-40B4-BE49-F238E27FC236}">
-                <a16:creationId xmlns:a16="http://schemas.microsoft.com/office/drawing/2014/main" id="{4104080D-3031-288B-12AF-8898817D0B8E}"/>
+                <a16:creationId xmlns:a16="http://schemas.microsoft.com/office/drawing/2014/main" id="{243385E0-9BD7-F6EB-9990-A8196F72EC59}"/>
               </a:ext>
             </a:extLst>
           </p:cNvPr>
@@ -290,7 +290,7 @@
           <p:cNvPr id="6" name="灯片编号占位符 5">
             <a:extLst>
               <a:ext uri="{FF2B5EF4-FFF2-40B4-BE49-F238E27FC236}">
-                <a16:creationId xmlns:a16="http://schemas.microsoft.com/office/drawing/2014/main" id="{8193CCE3-DD5E-07A9-0412-E9C19380B5C7}"/>
+                <a16:creationId xmlns:a16="http://schemas.microsoft.com/office/drawing/2014/main" id="{79547F7B-9977-3D52-ED77-EF13820A4816}"/>
               </a:ext>
             </a:extLst>
           </p:cNvPr>
@@ -306,7 +306,7 @@
           <a:bodyPr/>
           <a:lstStyle/>
           <a:p>
-            <a:fld id="{17B4D0A5-C114-420A-A654-E3DBE9DFF1B9}" type="slidenum">
+            <a:fld id="{9A34DCDD-237E-4B49-B82D-A07152D5E8FC}" type="slidenum">
               <a:rPr lang="zh-CN" altLang="en-US" smtClean="0"/>
               <a:t>‹#›</a:t>
             </a:fld>
@@ -317,7 +317,7 @@
     </p:spTree>
     <p:extLst>
       <p:ext uri="{BB962C8B-B14F-4D97-AF65-F5344CB8AC3E}">
-        <p14:creationId xmlns:p14="http://schemas.microsoft.com/office/powerpoint/2010/main" val="3903549648"/>
+        <p14:creationId xmlns:p14="http://schemas.microsoft.com/office/powerpoint/2010/main" val="671341063"/>
       </p:ext>
     </p:extLst>
   </p:cSld>
@@ -349,7 +349,7 @@
           <p:cNvPr id="2" name="标题 1">
             <a:extLst>
               <a:ext uri="{FF2B5EF4-FFF2-40B4-BE49-F238E27FC236}">
-                <a16:creationId xmlns:a16="http://schemas.microsoft.com/office/drawing/2014/main" id="{8E44E055-A42A-8D0B-6405-1EBEC38F0D9B}"/>
+                <a16:creationId xmlns:a16="http://schemas.microsoft.com/office/drawing/2014/main" id="{1D42D457-DD14-6062-461E-02A93289F584}"/>
               </a:ext>
             </a:extLst>
           </p:cNvPr>
@@ -377,7 +377,7 @@
           <p:cNvPr id="3" name="竖排文字占位符 2">
             <a:extLst>
               <a:ext uri="{FF2B5EF4-FFF2-40B4-BE49-F238E27FC236}">
-                <a16:creationId xmlns:a16="http://schemas.microsoft.com/office/drawing/2014/main" id="{75629531-0914-2347-1C40-70F9870F0F55}"/>
+                <a16:creationId xmlns:a16="http://schemas.microsoft.com/office/drawing/2014/main" id="{5403AA22-2D7D-BFD4-BE25-9CECC911EA7A}"/>
               </a:ext>
             </a:extLst>
           </p:cNvPr>
@@ -434,7 +434,7 @@
           <p:cNvPr id="4" name="日期占位符 3">
             <a:extLst>
               <a:ext uri="{FF2B5EF4-FFF2-40B4-BE49-F238E27FC236}">
-                <a16:creationId xmlns:a16="http://schemas.microsoft.com/office/drawing/2014/main" id="{A415B32A-0EFC-F985-A666-DF3A769BFD67}"/>
+                <a16:creationId xmlns:a16="http://schemas.microsoft.com/office/drawing/2014/main" id="{18F64554-E00F-4852-7303-6070CB5DC904}"/>
               </a:ext>
             </a:extLst>
           </p:cNvPr>
@@ -450,7 +450,7 @@
           <a:bodyPr/>
           <a:lstStyle/>
           <a:p>
-            <a:fld id="{DD236920-AFD0-4E06-A98B-F83C59434D47}" type="datetimeFigureOut">
+            <a:fld id="{408F27E9-4831-4A61-B71A-47FCC8352EC5}" type="datetimeFigureOut">
               <a:rPr lang="zh-CN" altLang="en-US" smtClean="0"/>
               <a:t>2024/3/10</a:t>
             </a:fld>
@@ -463,7 +463,7 @@
           <p:cNvPr id="5" name="页脚占位符 4">
             <a:extLst>
               <a:ext uri="{FF2B5EF4-FFF2-40B4-BE49-F238E27FC236}">
-                <a16:creationId xmlns:a16="http://schemas.microsoft.com/office/drawing/2014/main" id="{F8FBEFF0-695D-3AEC-E096-05D3C39D8BB4}"/>
+                <a16:creationId xmlns:a16="http://schemas.microsoft.com/office/drawing/2014/main" id="{73850337-6186-5C5B-C41B-AAA230D64402}"/>
               </a:ext>
             </a:extLst>
           </p:cNvPr>
@@ -488,7 +488,7 @@
           <p:cNvPr id="6" name="灯片编号占位符 5">
             <a:extLst>
               <a:ext uri="{FF2B5EF4-FFF2-40B4-BE49-F238E27FC236}">
-                <a16:creationId xmlns:a16="http://schemas.microsoft.com/office/drawing/2014/main" id="{6ED626FF-5E07-0184-1E3C-E14317C67C68}"/>
+                <a16:creationId xmlns:a16="http://schemas.microsoft.com/office/drawing/2014/main" id="{27F719F8-E3EF-2BE5-052F-1EDD5B2A3E80}"/>
               </a:ext>
             </a:extLst>
           </p:cNvPr>
@@ -504,7 +504,7 @@
           <a:bodyPr/>
           <a:lstStyle/>
           <a:p>
-            <a:fld id="{17B4D0A5-C114-420A-A654-E3DBE9DFF1B9}" type="slidenum">
+            <a:fld id="{9A34DCDD-237E-4B49-B82D-A07152D5E8FC}" type="slidenum">
               <a:rPr lang="zh-CN" altLang="en-US" smtClean="0"/>
               <a:t>‹#›</a:t>
             </a:fld>
@@ -515,7 +515,7 @@
     </p:spTree>
     <p:extLst>
       <p:ext uri="{BB962C8B-B14F-4D97-AF65-F5344CB8AC3E}">
-        <p14:creationId xmlns:p14="http://schemas.microsoft.com/office/powerpoint/2010/main" val="3924527862"/>
+        <p14:creationId xmlns:p14="http://schemas.microsoft.com/office/powerpoint/2010/main" val="2310901507"/>
       </p:ext>
     </p:extLst>
   </p:cSld>
@@ -547,7 +547,7 @@
           <p:cNvPr id="2" name="竖排标题 1">
             <a:extLst>
               <a:ext uri="{FF2B5EF4-FFF2-40B4-BE49-F238E27FC236}">
-                <a16:creationId xmlns:a16="http://schemas.microsoft.com/office/drawing/2014/main" id="{D42F8349-8E6D-3435-056F-2E3F55D506BB}"/>
+                <a16:creationId xmlns:a16="http://schemas.microsoft.com/office/drawing/2014/main" id="{0F87D55E-92BD-920A-B455-FF7B8C750A7C}"/>
               </a:ext>
             </a:extLst>
           </p:cNvPr>
@@ -580,7 +580,7 @@
           <p:cNvPr id="3" name="竖排文字占位符 2">
             <a:extLst>
               <a:ext uri="{FF2B5EF4-FFF2-40B4-BE49-F238E27FC236}">
-                <a16:creationId xmlns:a16="http://schemas.microsoft.com/office/drawing/2014/main" id="{5F0CDBF8-5382-9133-8480-94CAE7C806F2}"/>
+                <a16:creationId xmlns:a16="http://schemas.microsoft.com/office/drawing/2014/main" id="{00DDFE09-8853-1CD1-01AD-5B4F92AD4655}"/>
               </a:ext>
             </a:extLst>
           </p:cNvPr>
@@ -642,7 +642,7 @@
           <p:cNvPr id="4" name="日期占位符 3">
             <a:extLst>
               <a:ext uri="{FF2B5EF4-FFF2-40B4-BE49-F238E27FC236}">
-                <a16:creationId xmlns:a16="http://schemas.microsoft.com/office/drawing/2014/main" id="{C660A3D3-1002-2821-22DB-A3B7AB54C5CC}"/>
+                <a16:creationId xmlns:a16="http://schemas.microsoft.com/office/drawing/2014/main" id="{7711B739-C4C0-9467-43A6-6773C9FE96CE}"/>
               </a:ext>
             </a:extLst>
           </p:cNvPr>
@@ -658,7 +658,7 @@
           <a:bodyPr/>
           <a:lstStyle/>
           <a:p>
-            <a:fld id="{DD236920-AFD0-4E06-A98B-F83C59434D47}" type="datetimeFigureOut">
+            <a:fld id="{408F27E9-4831-4A61-B71A-47FCC8352EC5}" type="datetimeFigureOut">
               <a:rPr lang="zh-CN" altLang="en-US" smtClean="0"/>
               <a:t>2024/3/10</a:t>
             </a:fld>
@@ -671,7 +671,7 @@
           <p:cNvPr id="5" name="页脚占位符 4">
             <a:extLst>
               <a:ext uri="{FF2B5EF4-FFF2-40B4-BE49-F238E27FC236}">
-                <a16:creationId xmlns:a16="http://schemas.microsoft.com/office/drawing/2014/main" id="{14DD5C00-B9A0-3B38-7D2B-FA4FEDA68D04}"/>
+                <a16:creationId xmlns:a16="http://schemas.microsoft.com/office/drawing/2014/main" id="{52F74D77-AD17-4CC0-9A14-F853D647725A}"/>
               </a:ext>
             </a:extLst>
           </p:cNvPr>
@@ -696,7 +696,7 @@
           <p:cNvPr id="6" name="灯片编号占位符 5">
             <a:extLst>
               <a:ext uri="{FF2B5EF4-FFF2-40B4-BE49-F238E27FC236}">
-                <a16:creationId xmlns:a16="http://schemas.microsoft.com/office/drawing/2014/main" id="{7BC12F13-560A-A831-9CEB-037FFB461398}"/>
+                <a16:creationId xmlns:a16="http://schemas.microsoft.com/office/drawing/2014/main" id="{00548BC5-960B-C375-9A36-F344D66B4FB7}"/>
               </a:ext>
             </a:extLst>
           </p:cNvPr>
@@ -712,7 +712,7 @@
           <a:bodyPr/>
           <a:lstStyle/>
           <a:p>
-            <a:fld id="{17B4D0A5-C114-420A-A654-E3DBE9DFF1B9}" type="slidenum">
+            <a:fld id="{9A34DCDD-237E-4B49-B82D-A07152D5E8FC}" type="slidenum">
               <a:rPr lang="zh-CN" altLang="en-US" smtClean="0"/>
               <a:t>‹#›</a:t>
             </a:fld>
@@ -723,7 +723,7 @@
     </p:spTree>
     <p:extLst>
       <p:ext uri="{BB962C8B-B14F-4D97-AF65-F5344CB8AC3E}">
-        <p14:creationId xmlns:p14="http://schemas.microsoft.com/office/powerpoint/2010/main" val="2319091612"/>
+        <p14:creationId xmlns:p14="http://schemas.microsoft.com/office/powerpoint/2010/main" val="156368156"/>
       </p:ext>
     </p:extLst>
   </p:cSld>
@@ -755,7 +755,7 @@
           <p:cNvPr id="2" name="标题 1">
             <a:extLst>
               <a:ext uri="{FF2B5EF4-FFF2-40B4-BE49-F238E27FC236}">
-                <a16:creationId xmlns:a16="http://schemas.microsoft.com/office/drawing/2014/main" id="{C48F42C8-49E3-AC01-9DF1-2E0AD2AB5E06}"/>
+                <a16:creationId xmlns:a16="http://schemas.microsoft.com/office/drawing/2014/main" id="{A3B2E5DC-7AFB-EFBC-9B3F-47A554D64D41}"/>
               </a:ext>
             </a:extLst>
           </p:cNvPr>
@@ -783,7 +783,7 @@
           <p:cNvPr id="3" name="内容占位符 2">
             <a:extLst>
               <a:ext uri="{FF2B5EF4-FFF2-40B4-BE49-F238E27FC236}">
-                <a16:creationId xmlns:a16="http://schemas.microsoft.com/office/drawing/2014/main" id="{85B338E2-997F-EE51-258A-37858113A0BC}"/>
+                <a16:creationId xmlns:a16="http://schemas.microsoft.com/office/drawing/2014/main" id="{0603AEB9-D4F4-43DB-2BB7-946DEDFD8221}"/>
               </a:ext>
             </a:extLst>
           </p:cNvPr>
@@ -840,7 +840,7 @@
           <p:cNvPr id="4" name="日期占位符 3">
             <a:extLst>
               <a:ext uri="{FF2B5EF4-FFF2-40B4-BE49-F238E27FC236}">
-                <a16:creationId xmlns:a16="http://schemas.microsoft.com/office/drawing/2014/main" id="{4E15EE0F-B953-7DDD-D447-0921AFE7C3EC}"/>
+                <a16:creationId xmlns:a16="http://schemas.microsoft.com/office/drawing/2014/main" id="{E77A855A-196D-F727-5E1D-CC96E67B37AC}"/>
               </a:ext>
             </a:extLst>
           </p:cNvPr>
@@ -856,7 +856,7 @@
           <a:bodyPr/>
           <a:lstStyle/>
           <a:p>
-            <a:fld id="{DD236920-AFD0-4E06-A98B-F83C59434D47}" type="datetimeFigureOut">
+            <a:fld id="{408F27E9-4831-4A61-B71A-47FCC8352EC5}" type="datetimeFigureOut">
               <a:rPr lang="zh-CN" altLang="en-US" smtClean="0"/>
               <a:t>2024/3/10</a:t>
             </a:fld>
@@ -869,7 +869,7 @@
           <p:cNvPr id="5" name="页脚占位符 4">
             <a:extLst>
               <a:ext uri="{FF2B5EF4-FFF2-40B4-BE49-F238E27FC236}">
-                <a16:creationId xmlns:a16="http://schemas.microsoft.com/office/drawing/2014/main" id="{2DE7EB13-F175-A20B-79C4-181D2BCBDFA4}"/>
+                <a16:creationId xmlns:a16="http://schemas.microsoft.com/office/drawing/2014/main" id="{2F5E2FA8-556C-51F8-737E-57ED4B79C25B}"/>
               </a:ext>
             </a:extLst>
           </p:cNvPr>
@@ -894,7 +894,7 @@
           <p:cNvPr id="6" name="灯片编号占位符 5">
             <a:extLst>
               <a:ext uri="{FF2B5EF4-FFF2-40B4-BE49-F238E27FC236}">
-                <a16:creationId xmlns:a16="http://schemas.microsoft.com/office/drawing/2014/main" id="{29B3BD8F-2529-44AB-AE57-176A737BA3AF}"/>
+                <a16:creationId xmlns:a16="http://schemas.microsoft.com/office/drawing/2014/main" id="{06CED961-33E3-3386-7F03-8449093D4689}"/>
               </a:ext>
             </a:extLst>
           </p:cNvPr>
@@ -910,7 +910,7 @@
           <a:bodyPr/>
           <a:lstStyle/>
           <a:p>
-            <a:fld id="{17B4D0A5-C114-420A-A654-E3DBE9DFF1B9}" type="slidenum">
+            <a:fld id="{9A34DCDD-237E-4B49-B82D-A07152D5E8FC}" type="slidenum">
               <a:rPr lang="zh-CN" altLang="en-US" smtClean="0"/>
               <a:t>‹#›</a:t>
             </a:fld>
@@ -921,7 +921,7 @@
     </p:spTree>
     <p:extLst>
       <p:ext uri="{BB962C8B-B14F-4D97-AF65-F5344CB8AC3E}">
-        <p14:creationId xmlns:p14="http://schemas.microsoft.com/office/powerpoint/2010/main" val="1858276886"/>
+        <p14:creationId xmlns:p14="http://schemas.microsoft.com/office/powerpoint/2010/main" val="1958410141"/>
       </p:ext>
     </p:extLst>
   </p:cSld>
@@ -953,7 +953,7 @@
           <p:cNvPr id="2" name="标题 1">
             <a:extLst>
               <a:ext uri="{FF2B5EF4-FFF2-40B4-BE49-F238E27FC236}">
-                <a16:creationId xmlns:a16="http://schemas.microsoft.com/office/drawing/2014/main" id="{8D66601D-4D64-73BE-EB5B-2FFF5F0BB434}"/>
+                <a16:creationId xmlns:a16="http://schemas.microsoft.com/office/drawing/2014/main" id="{6353E4C3-A4DB-C29A-716A-97BEB127DE37}"/>
               </a:ext>
             </a:extLst>
           </p:cNvPr>
@@ -990,7 +990,7 @@
           <p:cNvPr id="3" name="文本占位符 2">
             <a:extLst>
               <a:ext uri="{FF2B5EF4-FFF2-40B4-BE49-F238E27FC236}">
-                <a16:creationId xmlns:a16="http://schemas.microsoft.com/office/drawing/2014/main" id="{B8B70E87-50C8-4A42-2835-805C7ED8FAAF}"/>
+                <a16:creationId xmlns:a16="http://schemas.microsoft.com/office/drawing/2014/main" id="{277E1702-D0E0-C019-20C9-116A23289892}"/>
               </a:ext>
             </a:extLst>
           </p:cNvPr>
@@ -1115,7 +1115,7 @@
           <p:cNvPr id="4" name="日期占位符 3">
             <a:extLst>
               <a:ext uri="{FF2B5EF4-FFF2-40B4-BE49-F238E27FC236}">
-                <a16:creationId xmlns:a16="http://schemas.microsoft.com/office/drawing/2014/main" id="{A55C96DA-D1BB-9FE4-F1D0-82BC1F0DA30E}"/>
+                <a16:creationId xmlns:a16="http://schemas.microsoft.com/office/drawing/2014/main" id="{27F8D685-6D67-BFBD-E7C5-500B02987FF1}"/>
               </a:ext>
             </a:extLst>
           </p:cNvPr>
@@ -1131,7 +1131,7 @@
           <a:bodyPr/>
           <a:lstStyle/>
           <a:p>
-            <a:fld id="{DD236920-AFD0-4E06-A98B-F83C59434D47}" type="datetimeFigureOut">
+            <a:fld id="{408F27E9-4831-4A61-B71A-47FCC8352EC5}" type="datetimeFigureOut">
               <a:rPr lang="zh-CN" altLang="en-US" smtClean="0"/>
               <a:t>2024/3/10</a:t>
             </a:fld>
@@ -1144,7 +1144,7 @@
           <p:cNvPr id="5" name="页脚占位符 4">
             <a:extLst>
               <a:ext uri="{FF2B5EF4-FFF2-40B4-BE49-F238E27FC236}">
-                <a16:creationId xmlns:a16="http://schemas.microsoft.com/office/drawing/2014/main" id="{545189B2-E6A5-70BC-C714-F347F1BF75C1}"/>
+                <a16:creationId xmlns:a16="http://schemas.microsoft.com/office/drawing/2014/main" id="{191F7418-3573-FCA8-7150-5082D5877B4F}"/>
               </a:ext>
             </a:extLst>
           </p:cNvPr>
@@ -1169,7 +1169,7 @@
           <p:cNvPr id="6" name="灯片编号占位符 5">
             <a:extLst>
               <a:ext uri="{FF2B5EF4-FFF2-40B4-BE49-F238E27FC236}">
-                <a16:creationId xmlns:a16="http://schemas.microsoft.com/office/drawing/2014/main" id="{DAF0C0A3-4000-4B2B-CF95-E77B01F16B14}"/>
+                <a16:creationId xmlns:a16="http://schemas.microsoft.com/office/drawing/2014/main" id="{D1C25F63-AFB6-07B4-6EA7-8FE8F921D109}"/>
               </a:ext>
             </a:extLst>
           </p:cNvPr>
@@ -1185,7 +1185,7 @@
           <a:bodyPr/>
           <a:lstStyle/>
           <a:p>
-            <a:fld id="{17B4D0A5-C114-420A-A654-E3DBE9DFF1B9}" type="slidenum">
+            <a:fld id="{9A34DCDD-237E-4B49-B82D-A07152D5E8FC}" type="slidenum">
               <a:rPr lang="zh-CN" altLang="en-US" smtClean="0"/>
               <a:t>‹#›</a:t>
             </a:fld>
@@ -1196,7 +1196,7 @@
     </p:spTree>
     <p:extLst>
       <p:ext uri="{BB962C8B-B14F-4D97-AF65-F5344CB8AC3E}">
-        <p14:creationId xmlns:p14="http://schemas.microsoft.com/office/powerpoint/2010/main" val="3716357169"/>
+        <p14:creationId xmlns:p14="http://schemas.microsoft.com/office/powerpoint/2010/main" val="1779360883"/>
       </p:ext>
     </p:extLst>
   </p:cSld>
@@ -1228,7 +1228,7 @@
           <p:cNvPr id="2" name="标题 1">
             <a:extLst>
               <a:ext uri="{FF2B5EF4-FFF2-40B4-BE49-F238E27FC236}">
-                <a16:creationId xmlns:a16="http://schemas.microsoft.com/office/drawing/2014/main" id="{6CCD20F1-3D74-3B80-3951-21699E32A4FC}"/>
+                <a16:creationId xmlns:a16="http://schemas.microsoft.com/office/drawing/2014/main" id="{393AC2FB-8F3A-4F51-9475-B6C862A8D9D6}"/>
               </a:ext>
             </a:extLst>
           </p:cNvPr>
@@ -1256,7 +1256,7 @@
           <p:cNvPr id="3" name="内容占位符 2">
             <a:extLst>
               <a:ext uri="{FF2B5EF4-FFF2-40B4-BE49-F238E27FC236}">
-                <a16:creationId xmlns:a16="http://schemas.microsoft.com/office/drawing/2014/main" id="{AD8A6DF1-B885-328E-6EA5-447304A9C2D1}"/>
+                <a16:creationId xmlns:a16="http://schemas.microsoft.com/office/drawing/2014/main" id="{6960B3B4-D61C-2136-1A74-014AC24392F9}"/>
               </a:ext>
             </a:extLst>
           </p:cNvPr>
@@ -1318,7 +1318,7 @@
           <p:cNvPr id="4" name="内容占位符 3">
             <a:extLst>
               <a:ext uri="{FF2B5EF4-FFF2-40B4-BE49-F238E27FC236}">
-                <a16:creationId xmlns:a16="http://schemas.microsoft.com/office/drawing/2014/main" id="{18E094D0-4BB7-072C-D5C8-1AA68B31E155}"/>
+                <a16:creationId xmlns:a16="http://schemas.microsoft.com/office/drawing/2014/main" id="{109164CE-BED6-2F56-37A0-57D1F7DF8C22}"/>
               </a:ext>
             </a:extLst>
           </p:cNvPr>
@@ -1380,7 +1380,7 @@
           <p:cNvPr id="5" name="日期占位符 4">
             <a:extLst>
               <a:ext uri="{FF2B5EF4-FFF2-40B4-BE49-F238E27FC236}">
-                <a16:creationId xmlns:a16="http://schemas.microsoft.com/office/drawing/2014/main" id="{F280BC60-45EA-C351-2F66-DA9FBBF15377}"/>
+                <a16:creationId xmlns:a16="http://schemas.microsoft.com/office/drawing/2014/main" id="{438A2261-E587-412B-2F22-BB5730D1E3D5}"/>
               </a:ext>
             </a:extLst>
           </p:cNvPr>
@@ -1396,7 +1396,7 @@
           <a:bodyPr/>
           <a:lstStyle/>
           <a:p>
-            <a:fld id="{DD236920-AFD0-4E06-A98B-F83C59434D47}" type="datetimeFigureOut">
+            <a:fld id="{408F27E9-4831-4A61-B71A-47FCC8352EC5}" type="datetimeFigureOut">
               <a:rPr lang="zh-CN" altLang="en-US" smtClean="0"/>
               <a:t>2024/3/10</a:t>
             </a:fld>
@@ -1409,7 +1409,7 @@
           <p:cNvPr id="6" name="页脚占位符 5">
             <a:extLst>
               <a:ext uri="{FF2B5EF4-FFF2-40B4-BE49-F238E27FC236}">
-                <a16:creationId xmlns:a16="http://schemas.microsoft.com/office/drawing/2014/main" id="{75C7271B-F0C4-029C-20D8-83B86A6BA7F9}"/>
+                <a16:creationId xmlns:a16="http://schemas.microsoft.com/office/drawing/2014/main" id="{3C6933DA-F671-1076-6DE8-24F731907A8C}"/>
               </a:ext>
             </a:extLst>
           </p:cNvPr>
@@ -1434,7 +1434,7 @@
           <p:cNvPr id="7" name="灯片编号占位符 6">
             <a:extLst>
               <a:ext uri="{FF2B5EF4-FFF2-40B4-BE49-F238E27FC236}">
-                <a16:creationId xmlns:a16="http://schemas.microsoft.com/office/drawing/2014/main" id="{24A5CCDD-224E-43F3-1A80-031F779D4D64}"/>
+                <a16:creationId xmlns:a16="http://schemas.microsoft.com/office/drawing/2014/main" id="{09E4A5A9-8E67-72AF-3975-F9B9C840D13A}"/>
               </a:ext>
             </a:extLst>
           </p:cNvPr>
@@ -1450,7 +1450,7 @@
           <a:bodyPr/>
           <a:lstStyle/>
           <a:p>
-            <a:fld id="{17B4D0A5-C114-420A-A654-E3DBE9DFF1B9}" type="slidenum">
+            <a:fld id="{9A34DCDD-237E-4B49-B82D-A07152D5E8FC}" type="slidenum">
               <a:rPr lang="zh-CN" altLang="en-US" smtClean="0"/>
               <a:t>‹#›</a:t>
             </a:fld>
@@ -1461,7 +1461,7 @@
     </p:spTree>
     <p:extLst>
       <p:ext uri="{BB962C8B-B14F-4D97-AF65-F5344CB8AC3E}">
-        <p14:creationId xmlns:p14="http://schemas.microsoft.com/office/powerpoint/2010/main" val="1762221471"/>
+        <p14:creationId xmlns:p14="http://schemas.microsoft.com/office/powerpoint/2010/main" val="543966371"/>
       </p:ext>
     </p:extLst>
   </p:cSld>
@@ -1493,7 +1493,7 @@
           <p:cNvPr id="2" name="标题 1">
             <a:extLst>
               <a:ext uri="{FF2B5EF4-FFF2-40B4-BE49-F238E27FC236}">
-                <a16:creationId xmlns:a16="http://schemas.microsoft.com/office/drawing/2014/main" id="{57B1A16D-78CA-AE5D-B34C-D611939F361C}"/>
+                <a16:creationId xmlns:a16="http://schemas.microsoft.com/office/drawing/2014/main" id="{874C11D8-D572-F54D-2ACD-5054BAE73EF5}"/>
               </a:ext>
             </a:extLst>
           </p:cNvPr>
@@ -1526,7 +1526,7 @@
           <p:cNvPr id="3" name="文本占位符 2">
             <a:extLst>
               <a:ext uri="{FF2B5EF4-FFF2-40B4-BE49-F238E27FC236}">
-                <a16:creationId xmlns:a16="http://schemas.microsoft.com/office/drawing/2014/main" id="{31206707-B68B-D3D8-2C56-3303F43AA116}"/>
+                <a16:creationId xmlns:a16="http://schemas.microsoft.com/office/drawing/2014/main" id="{2B35241C-A2D8-1603-EF8B-79C81298F54A}"/>
               </a:ext>
             </a:extLst>
           </p:cNvPr>
@@ -1597,7 +1597,7 @@
           <p:cNvPr id="4" name="内容占位符 3">
             <a:extLst>
               <a:ext uri="{FF2B5EF4-FFF2-40B4-BE49-F238E27FC236}">
-                <a16:creationId xmlns:a16="http://schemas.microsoft.com/office/drawing/2014/main" id="{7652FDFB-1683-29B5-B3E6-17CDBA939BE6}"/>
+                <a16:creationId xmlns:a16="http://schemas.microsoft.com/office/drawing/2014/main" id="{CAA35D9B-0551-DDF6-5E47-04E61692FD9D}"/>
               </a:ext>
             </a:extLst>
           </p:cNvPr>
@@ -1659,7 +1659,7 @@
           <p:cNvPr id="5" name="文本占位符 4">
             <a:extLst>
               <a:ext uri="{FF2B5EF4-FFF2-40B4-BE49-F238E27FC236}">
-                <a16:creationId xmlns:a16="http://schemas.microsoft.com/office/drawing/2014/main" id="{52EB4A20-AEBE-BC9C-932B-1A71FE405F60}"/>
+                <a16:creationId xmlns:a16="http://schemas.microsoft.com/office/drawing/2014/main" id="{53D87D2E-EB1B-66B5-19E3-6728E4406D82}"/>
               </a:ext>
             </a:extLst>
           </p:cNvPr>
@@ -1730,7 +1730,7 @@
           <p:cNvPr id="6" name="内容占位符 5">
             <a:extLst>
               <a:ext uri="{FF2B5EF4-FFF2-40B4-BE49-F238E27FC236}">
-                <a16:creationId xmlns:a16="http://schemas.microsoft.com/office/drawing/2014/main" id="{164495FF-7846-22B2-9F97-3AA24EA666F9}"/>
+                <a16:creationId xmlns:a16="http://schemas.microsoft.com/office/drawing/2014/main" id="{308570C0-AAF9-68A6-362F-03D1BAFB8DE9}"/>
               </a:ext>
             </a:extLst>
           </p:cNvPr>
@@ -1792,7 +1792,7 @@
           <p:cNvPr id="7" name="日期占位符 6">
             <a:extLst>
               <a:ext uri="{FF2B5EF4-FFF2-40B4-BE49-F238E27FC236}">
-                <a16:creationId xmlns:a16="http://schemas.microsoft.com/office/drawing/2014/main" id="{EF5973A1-827C-24AB-DD9B-37A379B6DA4F}"/>
+                <a16:creationId xmlns:a16="http://schemas.microsoft.com/office/drawing/2014/main" id="{47B8711E-FA41-7679-AAAF-664604B3188F}"/>
               </a:ext>
             </a:extLst>
           </p:cNvPr>
@@ -1808,7 +1808,7 @@
           <a:bodyPr/>
           <a:lstStyle/>
           <a:p>
-            <a:fld id="{DD236920-AFD0-4E06-A98B-F83C59434D47}" type="datetimeFigureOut">
+            <a:fld id="{408F27E9-4831-4A61-B71A-47FCC8352EC5}" type="datetimeFigureOut">
               <a:rPr lang="zh-CN" altLang="en-US" smtClean="0"/>
               <a:t>2024/3/10</a:t>
             </a:fld>
@@ -1821,7 +1821,7 @@
           <p:cNvPr id="8" name="页脚占位符 7">
             <a:extLst>
               <a:ext uri="{FF2B5EF4-FFF2-40B4-BE49-F238E27FC236}">
-                <a16:creationId xmlns:a16="http://schemas.microsoft.com/office/drawing/2014/main" id="{3B816CA2-D810-30F7-BA5C-2E8843678B8E}"/>
+                <a16:creationId xmlns:a16="http://schemas.microsoft.com/office/drawing/2014/main" id="{D6EAF1C7-05CC-EB1E-1BA0-45DF2C3674BD}"/>
               </a:ext>
             </a:extLst>
           </p:cNvPr>
@@ -1846,7 +1846,7 @@
           <p:cNvPr id="9" name="灯片编号占位符 8">
             <a:extLst>
               <a:ext uri="{FF2B5EF4-FFF2-40B4-BE49-F238E27FC236}">
-                <a16:creationId xmlns:a16="http://schemas.microsoft.com/office/drawing/2014/main" id="{2914469D-197C-B34A-2091-B65075FE9EAD}"/>
+                <a16:creationId xmlns:a16="http://schemas.microsoft.com/office/drawing/2014/main" id="{3157559D-0A4D-9771-FC8D-CF538823D280}"/>
               </a:ext>
             </a:extLst>
           </p:cNvPr>
@@ -1862,7 +1862,7 @@
           <a:bodyPr/>
           <a:lstStyle/>
           <a:p>
-            <a:fld id="{17B4D0A5-C114-420A-A654-E3DBE9DFF1B9}" type="slidenum">
+            <a:fld id="{9A34DCDD-237E-4B49-B82D-A07152D5E8FC}" type="slidenum">
               <a:rPr lang="zh-CN" altLang="en-US" smtClean="0"/>
               <a:t>‹#›</a:t>
             </a:fld>
@@ -1873,7 +1873,7 @@
     </p:spTree>
     <p:extLst>
       <p:ext uri="{BB962C8B-B14F-4D97-AF65-F5344CB8AC3E}">
-        <p14:creationId xmlns:p14="http://schemas.microsoft.com/office/powerpoint/2010/main" val="2145221436"/>
+        <p14:creationId xmlns:p14="http://schemas.microsoft.com/office/powerpoint/2010/main" val="2500198899"/>
       </p:ext>
     </p:extLst>
   </p:cSld>
@@ -1905,7 +1905,7 @@
           <p:cNvPr id="2" name="标题 1">
             <a:extLst>
               <a:ext uri="{FF2B5EF4-FFF2-40B4-BE49-F238E27FC236}">
-                <a16:creationId xmlns:a16="http://schemas.microsoft.com/office/drawing/2014/main" id="{21B5B210-B4B0-6E6E-0A06-DF9A4332B13F}"/>
+                <a16:creationId xmlns:a16="http://schemas.microsoft.com/office/drawing/2014/main" id="{758DDC82-2291-1B51-3FD3-7E0001F7A813}"/>
               </a:ext>
             </a:extLst>
           </p:cNvPr>
@@ -1933,7 +1933,7 @@
           <p:cNvPr id="3" name="日期占位符 2">
             <a:extLst>
               <a:ext uri="{FF2B5EF4-FFF2-40B4-BE49-F238E27FC236}">
-                <a16:creationId xmlns:a16="http://schemas.microsoft.com/office/drawing/2014/main" id="{08781DEC-92CB-B576-83C1-87458A6E04A7}"/>
+                <a16:creationId xmlns:a16="http://schemas.microsoft.com/office/drawing/2014/main" id="{40F52E6A-DB02-68D0-CB00-F5F8CF937B6A}"/>
               </a:ext>
             </a:extLst>
           </p:cNvPr>
@@ -1949,7 +1949,7 @@
           <a:bodyPr/>
           <a:lstStyle/>
           <a:p>
-            <a:fld id="{DD236920-AFD0-4E06-A98B-F83C59434D47}" type="datetimeFigureOut">
+            <a:fld id="{408F27E9-4831-4A61-B71A-47FCC8352EC5}" type="datetimeFigureOut">
               <a:rPr lang="zh-CN" altLang="en-US" smtClean="0"/>
               <a:t>2024/3/10</a:t>
             </a:fld>
@@ -1962,7 +1962,7 @@
           <p:cNvPr id="4" name="页脚占位符 3">
             <a:extLst>
               <a:ext uri="{FF2B5EF4-FFF2-40B4-BE49-F238E27FC236}">
-                <a16:creationId xmlns:a16="http://schemas.microsoft.com/office/drawing/2014/main" id="{89B9DB6D-FFC8-7089-E4E0-7B7480F4D323}"/>
+                <a16:creationId xmlns:a16="http://schemas.microsoft.com/office/drawing/2014/main" id="{DF7F8DFA-6990-3FEF-7244-7A9B6B6DDE29}"/>
               </a:ext>
             </a:extLst>
           </p:cNvPr>
@@ -1987,7 +1987,7 @@
           <p:cNvPr id="5" name="灯片编号占位符 4">
             <a:extLst>
               <a:ext uri="{FF2B5EF4-FFF2-40B4-BE49-F238E27FC236}">
-                <a16:creationId xmlns:a16="http://schemas.microsoft.com/office/drawing/2014/main" id="{3A1CBC40-80A9-B114-7A76-E9BB6A3CBA75}"/>
+                <a16:creationId xmlns:a16="http://schemas.microsoft.com/office/drawing/2014/main" id="{90111782-EF6D-6327-B335-5E4F639E5F8F}"/>
               </a:ext>
             </a:extLst>
           </p:cNvPr>
@@ -2003,7 +2003,7 @@
           <a:bodyPr/>
           <a:lstStyle/>
           <a:p>
-            <a:fld id="{17B4D0A5-C114-420A-A654-E3DBE9DFF1B9}" type="slidenum">
+            <a:fld id="{9A34DCDD-237E-4B49-B82D-A07152D5E8FC}" type="slidenum">
               <a:rPr lang="zh-CN" altLang="en-US" smtClean="0"/>
               <a:t>‹#›</a:t>
             </a:fld>
@@ -2014,7 +2014,7 @@
     </p:spTree>
     <p:extLst>
       <p:ext uri="{BB962C8B-B14F-4D97-AF65-F5344CB8AC3E}">
-        <p14:creationId xmlns:p14="http://schemas.microsoft.com/office/powerpoint/2010/main" val="3553491363"/>
+        <p14:creationId xmlns:p14="http://schemas.microsoft.com/office/powerpoint/2010/main" val="2125156119"/>
       </p:ext>
     </p:extLst>
   </p:cSld>
@@ -2046,7 +2046,7 @@
           <p:cNvPr id="2" name="日期占位符 1">
             <a:extLst>
               <a:ext uri="{FF2B5EF4-FFF2-40B4-BE49-F238E27FC236}">
-                <a16:creationId xmlns:a16="http://schemas.microsoft.com/office/drawing/2014/main" id="{56DF0086-0DDB-CB09-DF8A-C04C20C75DF8}"/>
+                <a16:creationId xmlns:a16="http://schemas.microsoft.com/office/drawing/2014/main" id="{0D288BD6-9096-1DDE-5A08-3C1D2BE2285F}"/>
               </a:ext>
             </a:extLst>
           </p:cNvPr>
@@ -2062,7 +2062,7 @@
           <a:bodyPr/>
           <a:lstStyle/>
           <a:p>
-            <a:fld id="{DD236920-AFD0-4E06-A98B-F83C59434D47}" type="datetimeFigureOut">
+            <a:fld id="{408F27E9-4831-4A61-B71A-47FCC8352EC5}" type="datetimeFigureOut">
               <a:rPr lang="zh-CN" altLang="en-US" smtClean="0"/>
               <a:t>2024/3/10</a:t>
             </a:fld>
@@ -2075,7 +2075,7 @@
           <p:cNvPr id="3" name="页脚占位符 2">
             <a:extLst>
               <a:ext uri="{FF2B5EF4-FFF2-40B4-BE49-F238E27FC236}">
-                <a16:creationId xmlns:a16="http://schemas.microsoft.com/office/drawing/2014/main" id="{3E51AE6C-C93E-5461-94A5-05A00C649978}"/>
+                <a16:creationId xmlns:a16="http://schemas.microsoft.com/office/drawing/2014/main" id="{6809B3A7-82B2-F8BE-18AE-9F6E7980F05E}"/>
               </a:ext>
             </a:extLst>
           </p:cNvPr>
@@ -2100,7 +2100,7 @@
           <p:cNvPr id="4" name="灯片编号占位符 3">
             <a:extLst>
               <a:ext uri="{FF2B5EF4-FFF2-40B4-BE49-F238E27FC236}">
-                <a16:creationId xmlns:a16="http://schemas.microsoft.com/office/drawing/2014/main" id="{E6A71653-E15D-C9BA-EC00-11E90946D952}"/>
+                <a16:creationId xmlns:a16="http://schemas.microsoft.com/office/drawing/2014/main" id="{2FC14507-7E58-E972-1D95-6ECF41912EF6}"/>
               </a:ext>
             </a:extLst>
           </p:cNvPr>
@@ -2116,7 +2116,7 @@
           <a:bodyPr/>
           <a:lstStyle/>
           <a:p>
-            <a:fld id="{17B4D0A5-C114-420A-A654-E3DBE9DFF1B9}" type="slidenum">
+            <a:fld id="{9A34DCDD-237E-4B49-B82D-A07152D5E8FC}" type="slidenum">
               <a:rPr lang="zh-CN" altLang="en-US" smtClean="0"/>
               <a:t>‹#›</a:t>
             </a:fld>
@@ -2127,7 +2127,7 @@
     </p:spTree>
     <p:extLst>
       <p:ext uri="{BB962C8B-B14F-4D97-AF65-F5344CB8AC3E}">
-        <p14:creationId xmlns:p14="http://schemas.microsoft.com/office/powerpoint/2010/main" val="1158111431"/>
+        <p14:creationId xmlns:p14="http://schemas.microsoft.com/office/powerpoint/2010/main" val="2213125176"/>
       </p:ext>
     </p:extLst>
   </p:cSld>
@@ -2159,7 +2159,7 @@
           <p:cNvPr id="2" name="标题 1">
             <a:extLst>
               <a:ext uri="{FF2B5EF4-FFF2-40B4-BE49-F238E27FC236}">
-                <a16:creationId xmlns:a16="http://schemas.microsoft.com/office/drawing/2014/main" id="{467030BC-6276-C5DA-5019-1B9810635A52}"/>
+                <a16:creationId xmlns:a16="http://schemas.microsoft.com/office/drawing/2014/main" id="{A9B6626B-5191-D1D5-E59F-ABDACB84CA9D}"/>
               </a:ext>
             </a:extLst>
           </p:cNvPr>
@@ -2196,7 +2196,7 @@
           <p:cNvPr id="3" name="内容占位符 2">
             <a:extLst>
               <a:ext uri="{FF2B5EF4-FFF2-40B4-BE49-F238E27FC236}">
-                <a16:creationId xmlns:a16="http://schemas.microsoft.com/office/drawing/2014/main" id="{E0188F6D-9823-8073-CB84-AA7AD9F4C5A8}"/>
+                <a16:creationId xmlns:a16="http://schemas.microsoft.com/office/drawing/2014/main" id="{1855C7E0-9154-05A7-6D49-750B2C362E21}"/>
               </a:ext>
             </a:extLst>
           </p:cNvPr>
@@ -2286,7 +2286,7 @@
           <p:cNvPr id="4" name="文本占位符 3">
             <a:extLst>
               <a:ext uri="{FF2B5EF4-FFF2-40B4-BE49-F238E27FC236}">
-                <a16:creationId xmlns:a16="http://schemas.microsoft.com/office/drawing/2014/main" id="{93CC23C6-8C02-D03A-45BF-41AF75D8382B}"/>
+                <a16:creationId xmlns:a16="http://schemas.microsoft.com/office/drawing/2014/main" id="{793B0F74-D7DD-AEBF-A234-CBC1906951DC}"/>
               </a:ext>
             </a:extLst>
           </p:cNvPr>
@@ -2357,7 +2357,7 @@
           <p:cNvPr id="5" name="日期占位符 4">
             <a:extLst>
               <a:ext uri="{FF2B5EF4-FFF2-40B4-BE49-F238E27FC236}">
-                <a16:creationId xmlns:a16="http://schemas.microsoft.com/office/drawing/2014/main" id="{2CDAEAA0-0AF4-7B4D-6B5C-4183AE123CC8}"/>
+                <a16:creationId xmlns:a16="http://schemas.microsoft.com/office/drawing/2014/main" id="{3502BFF6-A94C-8CB8-11F8-DE979F4D66C3}"/>
               </a:ext>
             </a:extLst>
           </p:cNvPr>
@@ -2373,7 +2373,7 @@
           <a:bodyPr/>
           <a:lstStyle/>
           <a:p>
-            <a:fld id="{DD236920-AFD0-4E06-A98B-F83C59434D47}" type="datetimeFigureOut">
+            <a:fld id="{408F27E9-4831-4A61-B71A-47FCC8352EC5}" type="datetimeFigureOut">
               <a:rPr lang="zh-CN" altLang="en-US" smtClean="0"/>
               <a:t>2024/3/10</a:t>
             </a:fld>
@@ -2386,7 +2386,7 @@
           <p:cNvPr id="6" name="页脚占位符 5">
             <a:extLst>
               <a:ext uri="{FF2B5EF4-FFF2-40B4-BE49-F238E27FC236}">
-                <a16:creationId xmlns:a16="http://schemas.microsoft.com/office/drawing/2014/main" id="{EA9F5981-6885-C413-6F45-76B5D7DFE554}"/>
+                <a16:creationId xmlns:a16="http://schemas.microsoft.com/office/drawing/2014/main" id="{3E7B54CC-43E3-CD12-DF67-08C7B622B670}"/>
               </a:ext>
             </a:extLst>
           </p:cNvPr>
@@ -2411,7 +2411,7 @@
           <p:cNvPr id="7" name="灯片编号占位符 6">
             <a:extLst>
               <a:ext uri="{FF2B5EF4-FFF2-40B4-BE49-F238E27FC236}">
-                <a16:creationId xmlns:a16="http://schemas.microsoft.com/office/drawing/2014/main" id="{53FBF0BF-ABF4-2E54-C568-722E39CC598A}"/>
+                <a16:creationId xmlns:a16="http://schemas.microsoft.com/office/drawing/2014/main" id="{5644CAF9-7769-CA61-38D2-EAB0BB3A6AA5}"/>
               </a:ext>
             </a:extLst>
           </p:cNvPr>
@@ -2427,7 +2427,7 @@
           <a:bodyPr/>
           <a:lstStyle/>
           <a:p>
-            <a:fld id="{17B4D0A5-C114-420A-A654-E3DBE9DFF1B9}" type="slidenum">
+            <a:fld id="{9A34DCDD-237E-4B49-B82D-A07152D5E8FC}" type="slidenum">
               <a:rPr lang="zh-CN" altLang="en-US" smtClean="0"/>
               <a:t>‹#›</a:t>
             </a:fld>
@@ -2438,7 +2438,7 @@
     </p:spTree>
     <p:extLst>
       <p:ext uri="{BB962C8B-B14F-4D97-AF65-F5344CB8AC3E}">
-        <p14:creationId xmlns:p14="http://schemas.microsoft.com/office/powerpoint/2010/main" val="1046182554"/>
+        <p14:creationId xmlns:p14="http://schemas.microsoft.com/office/powerpoint/2010/main" val="3616307542"/>
       </p:ext>
     </p:extLst>
   </p:cSld>
@@ -2470,7 +2470,7 @@
           <p:cNvPr id="2" name="标题 1">
             <a:extLst>
               <a:ext uri="{FF2B5EF4-FFF2-40B4-BE49-F238E27FC236}">
-                <a16:creationId xmlns:a16="http://schemas.microsoft.com/office/drawing/2014/main" id="{0F371A9F-58C4-1BA4-0051-25E4F91883FE}"/>
+                <a16:creationId xmlns:a16="http://schemas.microsoft.com/office/drawing/2014/main" id="{44614375-212C-E25F-2408-B27A4D6A2777}"/>
               </a:ext>
             </a:extLst>
           </p:cNvPr>
@@ -2507,7 +2507,7 @@
           <p:cNvPr id="3" name="图片占位符 2">
             <a:extLst>
               <a:ext uri="{FF2B5EF4-FFF2-40B4-BE49-F238E27FC236}">
-                <a16:creationId xmlns:a16="http://schemas.microsoft.com/office/drawing/2014/main" id="{C74977B1-ED2A-A2CD-99FE-18D63076B177}"/>
+                <a16:creationId xmlns:a16="http://schemas.microsoft.com/office/drawing/2014/main" id="{19D140BC-7946-D657-3E48-23A111139056}"/>
               </a:ext>
             </a:extLst>
           </p:cNvPr>
@@ -2574,7 +2574,7 @@
           <p:cNvPr id="4" name="文本占位符 3">
             <a:extLst>
               <a:ext uri="{FF2B5EF4-FFF2-40B4-BE49-F238E27FC236}">
-                <a16:creationId xmlns:a16="http://schemas.microsoft.com/office/drawing/2014/main" id="{91422989-EAD4-5BFA-864D-F49B6B2CC01C}"/>
+                <a16:creationId xmlns:a16="http://schemas.microsoft.com/office/drawing/2014/main" id="{4C6BAE7A-4883-88F2-3FD0-B182A22BF55C}"/>
               </a:ext>
             </a:extLst>
           </p:cNvPr>
@@ -2645,7 +2645,7 @@
           <p:cNvPr id="5" name="日期占位符 4">
             <a:extLst>
               <a:ext uri="{FF2B5EF4-FFF2-40B4-BE49-F238E27FC236}">
-                <a16:creationId xmlns:a16="http://schemas.microsoft.com/office/drawing/2014/main" id="{5040BF49-4A80-8277-4B4B-3FAAC81EBCD7}"/>
+                <a16:creationId xmlns:a16="http://schemas.microsoft.com/office/drawing/2014/main" id="{C19CD44B-2817-2B90-3E0F-319D1762EFFA}"/>
               </a:ext>
             </a:extLst>
           </p:cNvPr>
@@ -2661,7 +2661,7 @@
           <a:bodyPr/>
           <a:lstStyle/>
           <a:p>
-            <a:fld id="{DD236920-AFD0-4E06-A98B-F83C59434D47}" type="datetimeFigureOut">
+            <a:fld id="{408F27E9-4831-4A61-B71A-47FCC8352EC5}" type="datetimeFigureOut">
               <a:rPr lang="zh-CN" altLang="en-US" smtClean="0"/>
               <a:t>2024/3/10</a:t>
             </a:fld>
@@ -2674,7 +2674,7 @@
           <p:cNvPr id="6" name="页脚占位符 5">
             <a:extLst>
               <a:ext uri="{FF2B5EF4-FFF2-40B4-BE49-F238E27FC236}">
-                <a16:creationId xmlns:a16="http://schemas.microsoft.com/office/drawing/2014/main" id="{DFCE7F81-AFE4-496F-C54E-623A5F9BEB6E}"/>
+                <a16:creationId xmlns:a16="http://schemas.microsoft.com/office/drawing/2014/main" id="{140F8DD5-F328-A4C2-FE4B-A9038350A655}"/>
               </a:ext>
             </a:extLst>
           </p:cNvPr>
@@ -2699,7 +2699,7 @@
           <p:cNvPr id="7" name="灯片编号占位符 6">
             <a:extLst>
               <a:ext uri="{FF2B5EF4-FFF2-40B4-BE49-F238E27FC236}">
-                <a16:creationId xmlns:a16="http://schemas.microsoft.com/office/drawing/2014/main" id="{362E8F2C-E697-206D-65F6-BFA6A6A862A8}"/>
+                <a16:creationId xmlns:a16="http://schemas.microsoft.com/office/drawing/2014/main" id="{30BB5E22-D75C-9C5D-07F2-DA7294A7A722}"/>
               </a:ext>
             </a:extLst>
           </p:cNvPr>
@@ -2715,7 +2715,7 @@
           <a:bodyPr/>
           <a:lstStyle/>
           <a:p>
-            <a:fld id="{17B4D0A5-C114-420A-A654-E3DBE9DFF1B9}" type="slidenum">
+            <a:fld id="{9A34DCDD-237E-4B49-B82D-A07152D5E8FC}" type="slidenum">
               <a:rPr lang="zh-CN" altLang="en-US" smtClean="0"/>
               <a:t>‹#›</a:t>
             </a:fld>
@@ -2726,7 +2726,7 @@
     </p:spTree>
     <p:extLst>
       <p:ext uri="{BB962C8B-B14F-4D97-AF65-F5344CB8AC3E}">
-        <p14:creationId xmlns:p14="http://schemas.microsoft.com/office/powerpoint/2010/main" val="4006941224"/>
+        <p14:creationId xmlns:p14="http://schemas.microsoft.com/office/powerpoint/2010/main" val="537195048"/>
       </p:ext>
     </p:extLst>
   </p:cSld>
@@ -2763,7 +2763,7 @@
           <p:cNvPr id="2" name="标题占位符 1">
             <a:extLst>
               <a:ext uri="{FF2B5EF4-FFF2-40B4-BE49-F238E27FC236}">
-                <a16:creationId xmlns:a16="http://schemas.microsoft.com/office/drawing/2014/main" id="{3C268BF9-793E-8F7A-C775-091E91858892}"/>
+                <a16:creationId xmlns:a16="http://schemas.microsoft.com/office/drawing/2014/main" id="{F67A56C9-05F1-7D45-982E-93AEA2D75059}"/>
               </a:ext>
             </a:extLst>
           </p:cNvPr>
@@ -2801,7 +2801,7 @@
           <p:cNvPr id="3" name="文本占位符 2">
             <a:extLst>
               <a:ext uri="{FF2B5EF4-FFF2-40B4-BE49-F238E27FC236}">
-                <a16:creationId xmlns:a16="http://schemas.microsoft.com/office/drawing/2014/main" id="{A790FEAD-E8A4-4614-1E4D-C2B40E088829}"/>
+                <a16:creationId xmlns:a16="http://schemas.microsoft.com/office/drawing/2014/main" id="{4B1554AB-C05C-7B40-0821-B6BA66900F83}"/>
               </a:ext>
             </a:extLst>
           </p:cNvPr>
@@ -2868,7 +2868,7 @@
           <p:cNvPr id="4" name="日期占位符 3">
             <a:extLst>
               <a:ext uri="{FF2B5EF4-FFF2-40B4-BE49-F238E27FC236}">
-                <a16:creationId xmlns:a16="http://schemas.microsoft.com/office/drawing/2014/main" id="{CB2567B9-4CF1-C529-C1DA-1B578F45DBD2}"/>
+                <a16:creationId xmlns:a16="http://schemas.microsoft.com/office/drawing/2014/main" id="{1163A8A3-8355-31BE-5974-B75BE97F728A}"/>
               </a:ext>
             </a:extLst>
           </p:cNvPr>
@@ -2902,7 +2902,7 @@
             </a:lvl1pPr>
           </a:lstStyle>
           <a:p>
-            <a:fld id="{DD236920-AFD0-4E06-A98B-F83C59434D47}" type="datetimeFigureOut">
+            <a:fld id="{408F27E9-4831-4A61-B71A-47FCC8352EC5}" type="datetimeFigureOut">
               <a:rPr lang="zh-CN" altLang="en-US" smtClean="0"/>
               <a:t>2024/3/10</a:t>
             </a:fld>
@@ -2915,7 +2915,7 @@
           <p:cNvPr id="5" name="页脚占位符 4">
             <a:extLst>
               <a:ext uri="{FF2B5EF4-FFF2-40B4-BE49-F238E27FC236}">
-                <a16:creationId xmlns:a16="http://schemas.microsoft.com/office/drawing/2014/main" id="{85FC3927-4EA9-5A0C-914F-2581E309CC67}"/>
+                <a16:creationId xmlns:a16="http://schemas.microsoft.com/office/drawing/2014/main" id="{DCA16098-926C-A7C2-C0D0-457FBF5EA72B}"/>
               </a:ext>
             </a:extLst>
           </p:cNvPr>
@@ -2958,7 +2958,7 @@
           <p:cNvPr id="6" name="灯片编号占位符 5">
             <a:extLst>
               <a:ext uri="{FF2B5EF4-FFF2-40B4-BE49-F238E27FC236}">
-                <a16:creationId xmlns:a16="http://schemas.microsoft.com/office/drawing/2014/main" id="{55E22B17-3067-D0E0-3A18-3EE87CDE2D56}"/>
+                <a16:creationId xmlns:a16="http://schemas.microsoft.com/office/drawing/2014/main" id="{F00DF494-CD46-8E8E-C4AA-EB8BC225106E}"/>
               </a:ext>
             </a:extLst>
           </p:cNvPr>
@@ -2992,7 +2992,7 @@
             </a:lvl1pPr>
           </a:lstStyle>
           <a:p>
-            <a:fld id="{17B4D0A5-C114-420A-A654-E3DBE9DFF1B9}" type="slidenum">
+            <a:fld id="{9A34DCDD-237E-4B49-B82D-A07152D5E8FC}" type="slidenum">
               <a:rPr lang="zh-CN" altLang="en-US" smtClean="0"/>
               <a:t>‹#›</a:t>
             </a:fld>
@@ -3003,7 +3003,7 @@
     </p:spTree>
     <p:extLst>
       <p:ext uri="{BB962C8B-B14F-4D97-AF65-F5344CB8AC3E}">
-        <p14:creationId xmlns:p14="http://schemas.microsoft.com/office/powerpoint/2010/main" val="3293484369"/>
+        <p14:creationId xmlns:p14="http://schemas.microsoft.com/office/powerpoint/2010/main" val="1666443046"/>
       </p:ext>
     </p:extLst>
   </p:cSld>
@@ -3323,7 +3323,7 @@
       </p:grpSpPr>
       <p:pic>
         <p:nvPicPr>
-          <p:cNvPr id="1148930" name="Picture 2" descr="1121"/>
+          <p:cNvPr id="1149954" name="Picture 2" descr="1122"/>
           <p:cNvPicPr>
             <a:picLocks noChangeAspect="1" noChangeArrowheads="1"/>
           </p:cNvPicPr>
@@ -3344,8 +3344,8 @@
         </p:blipFill>
         <p:spPr bwMode="auto">
           <a:xfrm>
-            <a:off x="1543050" y="14288"/>
-            <a:ext cx="9124950" cy="6843712"/>
+            <a:off x="1524000" y="0"/>
+            <a:ext cx="9144000" cy="6858000"/>
           </a:xfrm>
           <a:prstGeom prst="rect">
             <a:avLst/>
@@ -3375,158 +3375,11 @@
           </a:extLst>
         </p:spPr>
       </p:pic>
-      <p:pic>
-        <p:nvPicPr>
-          <p:cNvPr id="1149955" name="Picture 3" descr="1121-2"/>
-          <p:cNvPicPr>
-            <a:picLocks noChangeAspect="1" noChangeArrowheads="1"/>
-          </p:cNvPicPr>
-          <p:nvPr/>
-        </p:nvPicPr>
-        <p:blipFill>
-          <a:blip r:embed="rId3">
-            <a:extLst>
-              <a:ext uri="{28A0092B-C50C-407E-A947-70E740481C1C}">
-                <a14:useLocalDpi xmlns:a14="http://schemas.microsoft.com/office/drawing/2010/main" val="0"/>
-              </a:ext>
-            </a:extLst>
-          </a:blip>
-          <a:srcRect/>
-          <a:stretch>
-            <a:fillRect/>
-          </a:stretch>
-        </p:blipFill>
-        <p:spPr bwMode="auto">
-          <a:xfrm>
-            <a:off x="1525588" y="-14288"/>
-            <a:ext cx="9180512" cy="6872288"/>
-          </a:xfrm>
-          <a:prstGeom prst="rect">
-            <a:avLst/>
-          </a:prstGeom>
-          <a:noFill/>
-          <a:ln>
-            <a:noFill/>
-          </a:ln>
-          <a:effectLst/>
-          <a:extLst>
-            <a:ext uri="{909E8E84-426E-40DD-AFC4-6F175D3DCCD1}">
-              <a14:hiddenFill xmlns:a14="http://schemas.microsoft.com/office/drawing/2010/main">
-                <a:solidFill>
-                  <a:srgbClr val="FFFFFF"/>
-                </a:solidFill>
-              </a14:hiddenFill>
-            </a:ext>
-            <a:ext uri="{91240B29-F687-4F45-9708-019B960494DF}">
-              <a14:hiddenLine xmlns:a14="http://schemas.microsoft.com/office/drawing/2010/main" w="9525">
-                <a:solidFill>
-                  <a:srgbClr val="000000"/>
-                </a:solidFill>
-                <a:miter lim="800000"/>
-                <a:headEnd/>
-                <a:tailEnd/>
-              </a14:hiddenLine>
-            </a:ext>
-            <a:ext uri="{AF507438-7753-43E0-B8FC-AC1667EBCBE1}">
-              <a14:hiddenEffects xmlns:a14="http://schemas.microsoft.com/office/drawing/2010/main">
-                <a:effectLst>
-                  <a:outerShdw dist="35921" dir="2700000" algn="ctr" rotWithShape="0">
-                    <a:srgbClr val="808080"/>
-                  </a:outerShdw>
-                </a:effectLst>
-              </a14:hiddenEffects>
-            </a:ext>
-          </a:extLst>
-        </p:spPr>
-      </p:pic>
     </p:spTree>
   </p:cSld>
   <p:clrMapOvr>
     <a:masterClrMapping/>
   </p:clrMapOvr>
-  <p:timing>
-    <p:tnLst>
-      <p:par>
-        <p:cTn id="1" dur="indefinite" restart="never" nodeType="tmRoot">
-          <p:childTnLst>
-            <p:seq concurrent="1" nextAc="seek">
-              <p:cTn id="2" dur="indefinite" nodeType="mainSeq">
-                <p:childTnLst>
-                  <p:par>
-                    <p:cTn id="3" fill="hold" nodeType="clickPar">
-                      <p:stCondLst>
-                        <p:cond delay="indefinite"/>
-                      </p:stCondLst>
-                      <p:childTnLst>
-                        <p:par>
-                          <p:cTn id="4" fill="hold" nodeType="withGroup">
-                            <p:stCondLst>
-                              <p:cond delay="0"/>
-                            </p:stCondLst>
-                            <p:childTnLst>
-                              <p:par>
-                                <p:cTn id="5" presetID="10" presetClass="entr" presetSubtype="0" fill="hold" nodeType="clickEffect">
-                                  <p:stCondLst>
-                                    <p:cond delay="0"/>
-                                  </p:stCondLst>
-                                  <p:childTnLst>
-                                    <p:set>
-                                      <p:cBhvr>
-                                        <p:cTn id="6" dur="1" fill="hold">
-                                          <p:stCondLst>
-                                            <p:cond delay="0"/>
-                                          </p:stCondLst>
-                                        </p:cTn>
-                                        <p:tgtEl>
-                                          <p:spTgt spid="1149955"/>
-                                        </p:tgtEl>
-                                        <p:attrNameLst>
-                                          <p:attrName>style.visibility</p:attrName>
-                                        </p:attrNameLst>
-                                      </p:cBhvr>
-                                      <p:to>
-                                        <p:strVal val="visible"/>
-                                      </p:to>
-                                    </p:set>
-                                    <p:animEffect transition="in" filter="fade">
-                                      <p:cBhvr>
-                                        <p:cTn id="7" dur="500"/>
-                                        <p:tgtEl>
-                                          <p:spTgt spid="1149955"/>
-                                        </p:tgtEl>
-                                      </p:cBhvr>
-                                    </p:animEffect>
-                                  </p:childTnLst>
-                                </p:cTn>
-                              </p:par>
-                            </p:childTnLst>
-                          </p:cTn>
-                        </p:par>
-                      </p:childTnLst>
-                    </p:cTn>
-                  </p:par>
-                </p:childTnLst>
-              </p:cTn>
-              <p:prevCondLst>
-                <p:cond evt="onPrev" delay="0">
-                  <p:tgtEl>
-                    <p:sldTgt/>
-                  </p:tgtEl>
-                </p:cond>
-              </p:prevCondLst>
-              <p:nextCondLst>
-                <p:cond evt="onNext" delay="0">
-                  <p:tgtEl>
-                    <p:sldTgt/>
-                  </p:tgtEl>
-                </p:cond>
-              </p:nextCondLst>
-            </p:seq>
-          </p:childTnLst>
-        </p:cTn>
-      </p:par>
-    </p:tnLst>
-  </p:timing>
 </p:sld>
 </file>
 
